--- a/Thạch Trương Gia - CS2205.NOV2024.DeCuong.FinalReport.Slide.pptx
+++ b/Thạch Trương Gia - CS2205.NOV2024.DeCuong.FinalReport.Slide.pptx
@@ -792,7 +792,7 @@
   <p:cSld>
     <p:spTree>
       <p:nvGrpSpPr>
-        <p:cNvPr id="117" name="Shape 117"/>
+        <p:cNvPr id="118" name="Shape 118"/>
         <p:cNvGrpSpPr/>
         <p:nvPr/>
       </p:nvGrpSpPr>
@@ -806,7 +806,7 @@
       </p:grpSpPr>
       <p:sp>
         <p:nvSpPr>
-          <p:cNvPr id="118" name="Google Shape;118;g33abe7b44da_0_20:notes"/>
+          <p:cNvPr id="119" name="Google Shape;119;g33abe7b44da_0_20:notes"/>
           <p:cNvSpPr/>
           <p:nvPr>
             <p:ph idx="2" type="sldImg"/>
@@ -841,7 +841,7 @@
       </p:sp>
       <p:sp>
         <p:nvSpPr>
-          <p:cNvPr id="119" name="Google Shape;119;g33abe7b44da_0_20:notes"/>
+          <p:cNvPr id="120" name="Google Shape;120;g33abe7b44da_0_20:notes"/>
           <p:cNvSpPr txBox="1"/>
           <p:nvPr>
             <p:ph idx="1" type="body"/>
@@ -990,7 +990,7 @@
   <p:cSld>
     <p:spTree>
       <p:nvGrpSpPr>
-        <p:cNvPr id="75" name="Shape 75"/>
+        <p:cNvPr id="76" name="Shape 76"/>
         <p:cNvGrpSpPr/>
         <p:nvPr/>
       </p:nvGrpSpPr>
@@ -1004,7 +1004,7 @@
       </p:grpSpPr>
       <p:sp>
         <p:nvSpPr>
-          <p:cNvPr id="76" name="Google Shape;76;g5fe14d3b49_0_30:notes"/>
+          <p:cNvPr id="77" name="Google Shape;77;g5fe14d3b49_0_30:notes"/>
           <p:cNvSpPr/>
           <p:nvPr>
             <p:ph idx="2" type="sldImg"/>
@@ -1039,7 +1039,7 @@
       </p:sp>
       <p:sp>
         <p:nvSpPr>
-          <p:cNvPr id="77" name="Google Shape;77;g5fe14d3b49_0_30:notes"/>
+          <p:cNvPr id="78" name="Google Shape;78;g5fe14d3b49_0_30:notes"/>
           <p:cNvSpPr txBox="1"/>
           <p:nvPr>
             <p:ph idx="1" type="body"/>
@@ -1089,7 +1089,7 @@
   <p:cSld>
     <p:spTree>
       <p:nvGrpSpPr>
-        <p:cNvPr id="81" name="Shape 81"/>
+        <p:cNvPr id="82" name="Shape 82"/>
         <p:cNvGrpSpPr/>
         <p:nvPr/>
       </p:nvGrpSpPr>
@@ -1103,7 +1103,7 @@
       </p:grpSpPr>
       <p:sp>
         <p:nvSpPr>
-          <p:cNvPr id="82" name="Google Shape;82;g10d8a3913ea_0_124:notes"/>
+          <p:cNvPr id="83" name="Google Shape;83;g10d8a3913ea_0_124:notes"/>
           <p:cNvSpPr/>
           <p:nvPr>
             <p:ph idx="2" type="sldImg"/>
@@ -1138,7 +1138,7 @@
       </p:sp>
       <p:sp>
         <p:nvSpPr>
-          <p:cNvPr id="83" name="Google Shape;83;g10d8a3913ea_0_124:notes"/>
+          <p:cNvPr id="84" name="Google Shape;84;g10d8a3913ea_0_124:notes"/>
           <p:cNvSpPr txBox="1"/>
           <p:nvPr>
             <p:ph idx="1" type="body"/>
@@ -1188,7 +1188,7 @@
   <p:cSld>
     <p:spTree>
       <p:nvGrpSpPr>
-        <p:cNvPr id="87" name="Shape 87"/>
+        <p:cNvPr id="88" name="Shape 88"/>
         <p:cNvGrpSpPr/>
         <p:nvPr/>
       </p:nvGrpSpPr>
@@ -1202,7 +1202,7 @@
       </p:grpSpPr>
       <p:sp>
         <p:nvSpPr>
-          <p:cNvPr id="88" name="Google Shape;88;g10d8a3913ea_0_129:notes"/>
+          <p:cNvPr id="89" name="Google Shape;89;g10d8a3913ea_0_129:notes"/>
           <p:cNvSpPr/>
           <p:nvPr>
             <p:ph idx="2" type="sldImg"/>
@@ -1237,7 +1237,7 @@
       </p:sp>
       <p:sp>
         <p:nvSpPr>
-          <p:cNvPr id="89" name="Google Shape;89;g10d8a3913ea_0_129:notes"/>
+          <p:cNvPr id="90" name="Google Shape;90;g10d8a3913ea_0_129:notes"/>
           <p:cNvSpPr txBox="1"/>
           <p:nvPr>
             <p:ph idx="1" type="body"/>
@@ -1287,7 +1287,7 @@
   <p:cSld>
     <p:spTree>
       <p:nvGrpSpPr>
-        <p:cNvPr id="93" name="Shape 93"/>
+        <p:cNvPr id="94" name="Shape 94"/>
         <p:cNvGrpSpPr/>
         <p:nvPr/>
       </p:nvGrpSpPr>
@@ -1301,7 +1301,7 @@
       </p:grpSpPr>
       <p:sp>
         <p:nvSpPr>
-          <p:cNvPr id="94" name="Google Shape;94;g33abe7b44da_0_5:notes"/>
+          <p:cNvPr id="95" name="Google Shape;95;g33abe7b44da_0_5:notes"/>
           <p:cNvSpPr/>
           <p:nvPr>
             <p:ph idx="2" type="sldImg"/>
@@ -1336,7 +1336,7 @@
       </p:sp>
       <p:sp>
         <p:nvSpPr>
-          <p:cNvPr id="95" name="Google Shape;95;g33abe7b44da_0_5:notes"/>
+          <p:cNvPr id="96" name="Google Shape;96;g33abe7b44da_0_5:notes"/>
           <p:cNvSpPr txBox="1"/>
           <p:nvPr>
             <p:ph idx="1" type="body"/>
@@ -1386,7 +1386,7 @@
   <p:cSld>
     <p:spTree>
       <p:nvGrpSpPr>
-        <p:cNvPr id="99" name="Shape 99"/>
+        <p:cNvPr id="100" name="Shape 100"/>
         <p:cNvGrpSpPr/>
         <p:nvPr/>
       </p:nvGrpSpPr>
@@ -1400,7 +1400,7 @@
       </p:grpSpPr>
       <p:sp>
         <p:nvSpPr>
-          <p:cNvPr id="100" name="Google Shape;100;g33abe7b44da_0_10:notes"/>
+          <p:cNvPr id="101" name="Google Shape;101;g33abe7b44da_0_10:notes"/>
           <p:cNvSpPr/>
           <p:nvPr>
             <p:ph idx="2" type="sldImg"/>
@@ -1435,7 +1435,7 @@
       </p:sp>
       <p:sp>
         <p:nvSpPr>
-          <p:cNvPr id="101" name="Google Shape;101;g33abe7b44da_0_10:notes"/>
+          <p:cNvPr id="102" name="Google Shape;102;g33abe7b44da_0_10:notes"/>
           <p:cNvSpPr txBox="1"/>
           <p:nvPr>
             <p:ph idx="1" type="body"/>
@@ -1485,7 +1485,7 @@
   <p:cSld>
     <p:spTree>
       <p:nvGrpSpPr>
-        <p:cNvPr id="105" name="Shape 105"/>
+        <p:cNvPr id="106" name="Shape 106"/>
         <p:cNvGrpSpPr/>
         <p:nvPr/>
       </p:nvGrpSpPr>
@@ -1499,7 +1499,7 @@
       </p:grpSpPr>
       <p:sp>
         <p:nvSpPr>
-          <p:cNvPr id="106" name="Google Shape;106;g10d8a3913ea_0_134:notes"/>
+          <p:cNvPr id="107" name="Google Shape;107;g10d8a3913ea_0_134:notes"/>
           <p:cNvSpPr/>
           <p:nvPr>
             <p:ph idx="2" type="sldImg"/>
@@ -1534,7 +1534,7 @@
       </p:sp>
       <p:sp>
         <p:nvSpPr>
-          <p:cNvPr id="107" name="Google Shape;107;g10d8a3913ea_0_134:notes"/>
+          <p:cNvPr id="108" name="Google Shape;108;g10d8a3913ea_0_134:notes"/>
           <p:cNvSpPr txBox="1"/>
           <p:nvPr>
             <p:ph idx="1" type="body"/>
@@ -1584,7 +1584,7 @@
   <p:cSld>
     <p:spTree>
       <p:nvGrpSpPr>
-        <p:cNvPr id="111" name="Shape 111"/>
+        <p:cNvPr id="112" name="Shape 112"/>
         <p:cNvGrpSpPr/>
         <p:nvPr/>
       </p:nvGrpSpPr>
@@ -1598,7 +1598,7 @@
       </p:grpSpPr>
       <p:sp>
         <p:nvSpPr>
-          <p:cNvPr id="112" name="Google Shape;112;g10d8a3913ea_0_139:notes"/>
+          <p:cNvPr id="113" name="Google Shape;113;g10d8a3913ea_0_139:notes"/>
           <p:cNvSpPr/>
           <p:nvPr>
             <p:ph idx="2" type="sldImg"/>
@@ -1633,7 +1633,7 @@
       </p:sp>
       <p:sp>
         <p:nvSpPr>
-          <p:cNvPr id="113" name="Google Shape;113;g10d8a3913ea_0_139:notes"/>
+          <p:cNvPr id="114" name="Google Shape;114;g10d8a3913ea_0_139:notes"/>
           <p:cNvSpPr txBox="1"/>
           <p:nvPr>
             <p:ph idx="1" type="body"/>
@@ -7670,7 +7670,7 @@
   <p:cSld>
     <p:spTree>
       <p:nvGrpSpPr>
-        <p:cNvPr id="120" name="Shape 120"/>
+        <p:cNvPr id="121" name="Shape 121"/>
         <p:cNvGrpSpPr/>
         <p:nvPr/>
       </p:nvGrpSpPr>
@@ -7684,7 +7684,7 @@
       </p:grpSpPr>
       <p:sp>
         <p:nvSpPr>
-          <p:cNvPr id="121" name="Google Shape;121;p22"/>
+          <p:cNvPr id="122" name="Google Shape;122;p22"/>
           <p:cNvSpPr txBox="1"/>
           <p:nvPr>
             <p:ph type="title"/>
@@ -7724,7 +7724,7 @@
       </p:sp>
       <p:sp>
         <p:nvSpPr>
-          <p:cNvPr id="122" name="Google Shape;122;p22"/>
+          <p:cNvPr id="123" name="Google Shape;123;p22"/>
           <p:cNvSpPr txBox="1"/>
           <p:nvPr>
             <p:ph idx="1" type="body"/>
@@ -7995,7 +7995,7 @@
             </a:pPr>
             <a:r>
               <a:rPr lang="en"/>
-              <a:t>Link YouTube video: </a:t>
+              <a:t>Link YouTube video: https://youtu.be/ud42ZaGuBDc</a:t>
             </a:r>
             <a:endParaRPr/>
           </a:p>
@@ -8093,6 +8093,33 @@
           </a:p>
         </p:txBody>
       </p:sp>
+      <p:pic>
+        <p:nvPicPr>
+          <p:cNvPr id="75" name="Google Shape;75;p14"/>
+          <p:cNvPicPr preferRelativeResize="0"/>
+          <p:nvPr/>
+        </p:nvPicPr>
+        <p:blipFill rotWithShape="1">
+          <a:blip r:embed="rId3">
+            <a:alphaModFix/>
+          </a:blip>
+          <a:srcRect b="0" l="0" r="0" t="5150"/>
+          <a:stretch/>
+        </p:blipFill>
+        <p:spPr>
+          <a:xfrm>
+            <a:off x="7581900" y="2779025"/>
+            <a:ext cx="1423698" cy="2026076"/>
+          </a:xfrm>
+          <a:prstGeom prst="rect">
+            <a:avLst/>
+          </a:prstGeom>
+          <a:noFill/>
+          <a:ln>
+            <a:noFill/>
+          </a:ln>
+        </p:spPr>
+      </p:pic>
     </p:spTree>
   </p:cSld>
   <p:clrMapOvr>
@@ -8106,7 +8133,7 @@
   <p:cSld>
     <p:spTree>
       <p:nvGrpSpPr>
-        <p:cNvPr id="78" name="Shape 78"/>
+        <p:cNvPr id="79" name="Shape 79"/>
         <p:cNvGrpSpPr/>
         <p:nvPr/>
       </p:nvGrpSpPr>
@@ -8120,7 +8147,7 @@
       </p:grpSpPr>
       <p:sp>
         <p:nvSpPr>
-          <p:cNvPr id="79" name="Google Shape;79;p15"/>
+          <p:cNvPr id="80" name="Google Shape;80;p15"/>
           <p:cNvSpPr txBox="1"/>
           <p:nvPr>
             <p:ph type="title"/>
@@ -8160,7 +8187,7 @@
       </p:sp>
       <p:sp>
         <p:nvSpPr>
-          <p:cNvPr id="80" name="Google Shape;80;p15"/>
+          <p:cNvPr id="81" name="Google Shape;81;p15"/>
           <p:cNvSpPr txBox="1"/>
           <p:nvPr>
             <p:ph idx="1" type="body"/>
@@ -8365,7 +8392,7 @@
   <p:cSld>
     <p:spTree>
       <p:nvGrpSpPr>
-        <p:cNvPr id="84" name="Shape 84"/>
+        <p:cNvPr id="85" name="Shape 85"/>
         <p:cNvGrpSpPr/>
         <p:nvPr/>
       </p:nvGrpSpPr>
@@ -8379,7 +8406,7 @@
       </p:grpSpPr>
       <p:sp>
         <p:nvSpPr>
-          <p:cNvPr id="85" name="Google Shape;85;p16"/>
+          <p:cNvPr id="86" name="Google Shape;86;p16"/>
           <p:cNvSpPr txBox="1"/>
           <p:nvPr>
             <p:ph type="title"/>
@@ -8419,7 +8446,7 @@
       </p:sp>
       <p:sp>
         <p:nvSpPr>
-          <p:cNvPr id="86" name="Google Shape;86;p16"/>
+          <p:cNvPr id="87" name="Google Shape;87;p16"/>
           <p:cNvSpPr txBox="1"/>
           <p:nvPr>
             <p:ph idx="1" type="body"/>
@@ -8640,7 +8667,7 @@
   <p:cSld>
     <p:spTree>
       <p:nvGrpSpPr>
-        <p:cNvPr id="90" name="Shape 90"/>
+        <p:cNvPr id="91" name="Shape 91"/>
         <p:cNvGrpSpPr/>
         <p:nvPr/>
       </p:nvGrpSpPr>
@@ -8654,7 +8681,7 @@
       </p:grpSpPr>
       <p:sp>
         <p:nvSpPr>
-          <p:cNvPr id="91" name="Google Shape;91;p17"/>
+          <p:cNvPr id="92" name="Google Shape;92;p17"/>
           <p:cNvSpPr txBox="1"/>
           <p:nvPr>
             <p:ph type="title"/>
@@ -8694,7 +8721,7 @@
       </p:sp>
       <p:sp>
         <p:nvSpPr>
-          <p:cNvPr id="92" name="Google Shape;92;p17"/>
+          <p:cNvPr id="93" name="Google Shape;93;p17"/>
           <p:cNvSpPr txBox="1"/>
           <p:nvPr>
             <p:ph idx="1" type="body"/>
@@ -8934,7 +8961,7 @@
   <p:cSld>
     <p:spTree>
       <p:nvGrpSpPr>
-        <p:cNvPr id="96" name="Shape 96"/>
+        <p:cNvPr id="97" name="Shape 97"/>
         <p:cNvGrpSpPr/>
         <p:nvPr/>
       </p:nvGrpSpPr>
@@ -8948,7 +8975,7 @@
       </p:grpSpPr>
       <p:sp>
         <p:nvSpPr>
-          <p:cNvPr id="97" name="Google Shape;97;p18"/>
+          <p:cNvPr id="98" name="Google Shape;98;p18"/>
           <p:cNvSpPr txBox="1"/>
           <p:nvPr>
             <p:ph type="title"/>
@@ -8988,7 +9015,7 @@
       </p:sp>
       <p:sp>
         <p:nvSpPr>
-          <p:cNvPr id="98" name="Google Shape;98;p18"/>
+          <p:cNvPr id="99" name="Google Shape;99;p18"/>
           <p:cNvSpPr txBox="1"/>
           <p:nvPr>
             <p:ph idx="1" type="body"/>
@@ -9222,7 +9249,7 @@
   <p:cSld>
     <p:spTree>
       <p:nvGrpSpPr>
-        <p:cNvPr id="102" name="Shape 102"/>
+        <p:cNvPr id="103" name="Shape 103"/>
         <p:cNvGrpSpPr/>
         <p:nvPr/>
       </p:nvGrpSpPr>
@@ -9236,7 +9263,7 @@
       </p:grpSpPr>
       <p:sp>
         <p:nvSpPr>
-          <p:cNvPr id="103" name="Google Shape;103;p19"/>
+          <p:cNvPr id="104" name="Google Shape;104;p19"/>
           <p:cNvSpPr txBox="1"/>
           <p:nvPr>
             <p:ph type="title"/>
@@ -9276,7 +9303,7 @@
       </p:sp>
       <p:sp>
         <p:nvSpPr>
-          <p:cNvPr id="104" name="Google Shape;104;p19"/>
+          <p:cNvPr id="105" name="Google Shape;105;p19"/>
           <p:cNvSpPr txBox="1"/>
           <p:nvPr>
             <p:ph idx="1" type="body"/>
@@ -9510,7 +9537,7 @@
   <p:cSld>
     <p:spTree>
       <p:nvGrpSpPr>
-        <p:cNvPr id="108" name="Shape 108"/>
+        <p:cNvPr id="109" name="Shape 109"/>
         <p:cNvGrpSpPr/>
         <p:nvPr/>
       </p:nvGrpSpPr>
@@ -9524,7 +9551,7 @@
       </p:grpSpPr>
       <p:sp>
         <p:nvSpPr>
-          <p:cNvPr id="109" name="Google Shape;109;p20"/>
+          <p:cNvPr id="110" name="Google Shape;110;p20"/>
           <p:cNvSpPr txBox="1"/>
           <p:nvPr>
             <p:ph type="title"/>
@@ -9564,7 +9591,7 @@
       </p:sp>
       <p:sp>
         <p:nvSpPr>
-          <p:cNvPr id="110" name="Google Shape;110;p20"/>
+          <p:cNvPr id="111" name="Google Shape;111;p20"/>
           <p:cNvSpPr txBox="1"/>
           <p:nvPr>
             <p:ph idx="1" type="body"/>
@@ -9821,7 +9848,7 @@
   <p:cSld>
     <p:spTree>
       <p:nvGrpSpPr>
-        <p:cNvPr id="114" name="Shape 114"/>
+        <p:cNvPr id="115" name="Shape 115"/>
         <p:cNvGrpSpPr/>
         <p:nvPr/>
       </p:nvGrpSpPr>
@@ -9835,7 +9862,7 @@
       </p:grpSpPr>
       <p:sp>
         <p:nvSpPr>
-          <p:cNvPr id="115" name="Google Shape;115;p21"/>
+          <p:cNvPr id="116" name="Google Shape;116;p21"/>
           <p:cNvSpPr txBox="1"/>
           <p:nvPr>
             <p:ph type="title"/>
@@ -9875,7 +9902,7 @@
       </p:sp>
       <p:sp>
         <p:nvSpPr>
-          <p:cNvPr id="116" name="Google Shape;116;p21"/>
+          <p:cNvPr id="117" name="Google Shape;117;p21"/>
           <p:cNvSpPr txBox="1"/>
           <p:nvPr>
             <p:ph idx="1" type="body"/>
@@ -10102,6 +10129,285 @@
 </file>
 
 <file path=ppt/theme/theme1.xml><?xml version="1.0" encoding="utf-8"?>
+<a:theme xmlns:a="http://schemas.openxmlformats.org/drawingml/2006/main" xmlns:r="http://schemas.openxmlformats.org/officeDocument/2006/relationships">
+  <a:themeElements>
+    <a:clrScheme name="Default">
+      <a:dk1>
+        <a:srgbClr val="000000"/>
+      </a:dk1>
+      <a:lt1>
+        <a:srgbClr val="FFFFFF"/>
+      </a:lt1>
+      <a:dk2>
+        <a:srgbClr val="158158"/>
+      </a:dk2>
+      <a:lt2>
+        <a:srgbClr val="F3F3F3"/>
+      </a:lt2>
+      <a:accent1>
+        <a:srgbClr val="058DC7"/>
+      </a:accent1>
+      <a:accent2>
+        <a:srgbClr val="50B432"/>
+      </a:accent2>
+      <a:accent3>
+        <a:srgbClr val="ED561B"/>
+      </a:accent3>
+      <a:accent4>
+        <a:srgbClr val="EDEF00"/>
+      </a:accent4>
+      <a:accent5>
+        <a:srgbClr val="24CBE5"/>
+      </a:accent5>
+      <a:accent6>
+        <a:srgbClr val="64E572"/>
+      </a:accent6>
+      <a:hlink>
+        <a:srgbClr val="2200CC"/>
+      </a:hlink>
+      <a:folHlink>
+        <a:srgbClr val="551A8B"/>
+      </a:folHlink>
+    </a:clrScheme>
+    <a:fontScheme name="Office">
+      <a:majorFont>
+        <a:latin typeface="Arial"/>
+        <a:ea typeface=""/>
+        <a:cs typeface=""/>
+        <a:font script="Jpan" typeface="ＭＳ Ｐゴシック"/>
+        <a:font script="Hang" typeface="맑은 고딕"/>
+        <a:font script="Hans" typeface="宋体"/>
+        <a:font script="Hant" typeface="新細明體"/>
+        <a:font script="Arab" typeface="Times New Roman"/>
+        <a:font script="Hebr" typeface="Times New Roman"/>
+        <a:font script="Thai" typeface="Angsana New"/>
+        <a:font script="Ethi" typeface="Nyala"/>
+        <a:font script="Beng" typeface="Vrinda"/>
+        <a:font script="Gujr" typeface="Shruti"/>
+        <a:font script="Khmr" typeface="MoolBoran"/>
+        <a:font script="Knda" typeface="Tunga"/>
+        <a:font script="Guru" typeface="Raavi"/>
+        <a:font script="Cans" typeface="Euphemia"/>
+        <a:font script="Cher" typeface="Plantagenet Cherokee"/>
+        <a:font script="Yiii" typeface="Microsoft Yi Baiti"/>
+        <a:font script="Tibt" typeface="Microsoft Himalaya"/>
+        <a:font script="Thaa" typeface="MV Boli"/>
+        <a:font script="Deva" typeface="Mangal"/>
+        <a:font script="Telu" typeface="Gautami"/>
+        <a:font script="Taml" typeface="Latha"/>
+        <a:font script="Syrc" typeface="Estrangelo Edessa"/>
+        <a:font script="Orya" typeface="Kalinga"/>
+        <a:font script="Mlym" typeface="Kartika"/>
+        <a:font script="Laoo" typeface="DokChampa"/>
+        <a:font script="Sinh" typeface="Iskoola Pota"/>
+        <a:font script="Mong" typeface="Mongolian Baiti"/>
+        <a:font script="Viet" typeface="Times New Roman"/>
+        <a:font script="Uigh" typeface="Microsoft Uighur"/>
+        <a:font script="Geor" typeface="Sylfaen"/>
+      </a:majorFont>
+      <a:minorFont>
+        <a:latin typeface="Arial"/>
+        <a:ea typeface=""/>
+        <a:cs typeface=""/>
+        <a:font script="Jpan" typeface="ＭＳ Ｐゴシック"/>
+        <a:font script="Hang" typeface="맑은 고딕"/>
+        <a:font script="Hans" typeface="宋体"/>
+        <a:font script="Hant" typeface="新細明體"/>
+        <a:font script="Arab" typeface="Arial"/>
+        <a:font script="Hebr" typeface="Arial"/>
+        <a:font script="Thai" typeface="Cordia New"/>
+        <a:font script="Ethi" typeface="Nyala"/>
+        <a:font script="Beng" typeface="Vrinda"/>
+        <a:font script="Gujr" typeface="Shruti"/>
+        <a:font script="Khmr" typeface="DaunPenh"/>
+        <a:font script="Knda" typeface="Tunga"/>
+        <a:font script="Guru" typeface="Raavi"/>
+        <a:font script="Cans" typeface="Euphemia"/>
+        <a:font script="Cher" typeface="Plantagenet Cherokee"/>
+        <a:font script="Yiii" typeface="Microsoft Yi Baiti"/>
+        <a:font script="Tibt" typeface="Microsoft Himalaya"/>
+        <a:font script="Thaa" typeface="MV Boli"/>
+        <a:font script="Deva" typeface="Mangal"/>
+        <a:font script="Telu" typeface="Gautami"/>
+        <a:font script="Taml" typeface="Latha"/>
+        <a:font script="Syrc" typeface="Estrangelo Edessa"/>
+        <a:font script="Orya" typeface="Kalinga"/>
+        <a:font script="Mlym" typeface="Kartika"/>
+        <a:font script="Laoo" typeface="DokChampa"/>
+        <a:font script="Sinh" typeface="Iskoola Pota"/>
+        <a:font script="Mong" typeface="Mongolian Baiti"/>
+        <a:font script="Viet" typeface="Arial"/>
+        <a:font script="Uigh" typeface="Microsoft Uighur"/>
+        <a:font script="Geor" typeface="Sylfaen"/>
+      </a:minorFont>
+    </a:fontScheme>
+    <a:fmtScheme name="Office">
+      <a:fillStyleLst>
+        <a:solidFill>
+          <a:schemeClr val="phClr"/>
+        </a:solidFill>
+        <a:gradFill rotWithShape="1">
+          <a:gsLst>
+            <a:gs pos="0">
+              <a:schemeClr val="phClr">
+                <a:tint val="50000"/>
+                <a:satMod val="300000"/>
+              </a:schemeClr>
+            </a:gs>
+            <a:gs pos="35000">
+              <a:schemeClr val="phClr">
+                <a:tint val="37000"/>
+                <a:satMod val="300000"/>
+              </a:schemeClr>
+            </a:gs>
+            <a:gs pos="100000">
+              <a:schemeClr val="phClr">
+                <a:tint val="15000"/>
+                <a:satMod val="350000"/>
+              </a:schemeClr>
+            </a:gs>
+          </a:gsLst>
+          <a:lin ang="16200000" scaled="1"/>
+        </a:gradFill>
+        <a:gradFill rotWithShape="1">
+          <a:gsLst>
+            <a:gs pos="0">
+              <a:schemeClr val="phClr">
+                <a:tint val="100000"/>
+                <a:shade val="100000"/>
+                <a:satMod val="130000"/>
+              </a:schemeClr>
+            </a:gs>
+            <a:gs pos="100000">
+              <a:schemeClr val="phClr">
+                <a:tint val="50000"/>
+                <a:shade val="100000"/>
+                <a:satMod val="350000"/>
+              </a:schemeClr>
+            </a:gs>
+          </a:gsLst>
+          <a:lin ang="16200000" scaled="0"/>
+        </a:gradFill>
+      </a:fillStyleLst>
+      <a:lnStyleLst>
+        <a:ln w="9525" cap="flat" cmpd="sng" algn="ctr">
+          <a:solidFill>
+            <a:schemeClr val="phClr">
+              <a:shade val="95000"/>
+              <a:satMod val="105000"/>
+            </a:schemeClr>
+          </a:solidFill>
+          <a:prstDash val="solid"/>
+        </a:ln>
+        <a:ln w="25400" cap="flat" cmpd="sng" algn="ctr">
+          <a:solidFill>
+            <a:schemeClr val="phClr"/>
+          </a:solidFill>
+          <a:prstDash val="solid"/>
+        </a:ln>
+        <a:ln w="38100" cap="flat" cmpd="sng" algn="ctr">
+          <a:solidFill>
+            <a:schemeClr val="phClr"/>
+          </a:solidFill>
+          <a:prstDash val="solid"/>
+        </a:ln>
+      </a:lnStyleLst>
+      <a:effectStyleLst>
+        <a:effectStyle>
+          <a:effectLst>
+            <a:outerShdw blurRad="40000" dist="20000" dir="5400000" rotWithShape="0">
+              <a:srgbClr val="000000">
+                <a:alpha val="38000"/>
+              </a:srgbClr>
+            </a:outerShdw>
+          </a:effectLst>
+        </a:effectStyle>
+        <a:effectStyle>
+          <a:effectLst>
+            <a:outerShdw blurRad="40000" dist="23000" dir="5400000" rotWithShape="0">
+              <a:srgbClr val="000000">
+                <a:alpha val="35000"/>
+              </a:srgbClr>
+            </a:outerShdw>
+          </a:effectLst>
+        </a:effectStyle>
+        <a:effectStyle>
+          <a:effectLst>
+            <a:outerShdw blurRad="40000" dist="23000" dir="5400000" rotWithShape="0">
+              <a:srgbClr val="000000">
+                <a:alpha val="35000"/>
+              </a:srgbClr>
+            </a:outerShdw>
+          </a:effectLst>
+          <a:scene3d>
+            <a:camera prst="orthographicFront">
+              <a:rot lat="0" lon="0" rev="0"/>
+            </a:camera>
+            <a:lightRig rig="threePt" dir="t">
+              <a:rot lat="0" lon="0" rev="1200000"/>
+            </a:lightRig>
+          </a:scene3d>
+          <a:sp3d>
+            <a:bevelT w="63500" h="25400"/>
+          </a:sp3d>
+        </a:effectStyle>
+      </a:effectStyleLst>
+      <a:bgFillStyleLst>
+        <a:solidFill>
+          <a:schemeClr val="phClr"/>
+        </a:solidFill>
+        <a:gradFill rotWithShape="1">
+          <a:gsLst>
+            <a:gs pos="0">
+              <a:schemeClr val="phClr">
+                <a:tint val="40000"/>
+                <a:satMod val="350000"/>
+              </a:schemeClr>
+            </a:gs>
+            <a:gs pos="40000">
+              <a:schemeClr val="phClr">
+                <a:tint val="45000"/>
+                <a:shade val="99000"/>
+                <a:satMod val="350000"/>
+              </a:schemeClr>
+            </a:gs>
+            <a:gs pos="100000">
+              <a:schemeClr val="phClr">
+                <a:shade val="20000"/>
+                <a:satMod val="255000"/>
+              </a:schemeClr>
+            </a:gs>
+          </a:gsLst>
+          <a:path path="circle">
+            <a:fillToRect l="50000" t="-80000" r="50000" b="180000"/>
+          </a:path>
+        </a:gradFill>
+        <a:gradFill rotWithShape="1">
+          <a:gsLst>
+            <a:gs pos="0">
+              <a:schemeClr val="phClr">
+                <a:tint val="80000"/>
+                <a:satMod val="300000"/>
+              </a:schemeClr>
+            </a:gs>
+            <a:gs pos="100000">
+              <a:schemeClr val="phClr">
+                <a:shade val="30000"/>
+                <a:satMod val="200000"/>
+              </a:schemeClr>
+            </a:gs>
+          </a:gsLst>
+          <a:path path="circle">
+            <a:fillToRect l="50000" t="50000" r="50000" b="50000"/>
+          </a:path>
+        </a:gradFill>
+      </a:bgFillStyleLst>
+    </a:fmtScheme>
+  </a:themeElements>
+</a:theme>
+</file>
+
+<file path=ppt/theme/theme2.xml><?xml version="1.0" encoding="utf-8"?>
 <a:theme xmlns:a="http://schemas.openxmlformats.org/drawingml/2006/main" xmlns:r="http://schemas.openxmlformats.org/officeDocument/2006/relationships" name="Material - R01">
   <a:themeElements>
     <a:clrScheme name="Material">
@@ -10378,283 +10684,4 @@
     </a:fmtScheme>
   </a:themeElements>
 </a:theme>
-</file>
-
-<file path=ppt/theme/theme2.xml><?xml version="1.0" encoding="utf-8"?>
-<a:theme xmlns:a="http://schemas.openxmlformats.org/drawingml/2006/main" xmlns:r="http://schemas.openxmlformats.org/officeDocument/2006/relationships">
-  <a:themeElements>
-    <a:clrScheme name="Default">
-      <a:dk1>
-        <a:srgbClr val="000000"/>
-      </a:dk1>
-      <a:lt1>
-        <a:srgbClr val="FFFFFF"/>
-      </a:lt1>
-      <a:dk2>
-        <a:srgbClr val="158158"/>
-      </a:dk2>
-      <a:lt2>
-        <a:srgbClr val="F3F3F3"/>
-      </a:lt2>
-      <a:accent1>
-        <a:srgbClr val="058DC7"/>
-      </a:accent1>
-      <a:accent2>
-        <a:srgbClr val="50B432"/>
-      </a:accent2>
-      <a:accent3>
-        <a:srgbClr val="ED561B"/>
-      </a:accent3>
-      <a:accent4>
-        <a:srgbClr val="EDEF00"/>
-      </a:accent4>
-      <a:accent5>
-        <a:srgbClr val="24CBE5"/>
-      </a:accent5>
-      <a:accent6>
-        <a:srgbClr val="64E572"/>
-      </a:accent6>
-      <a:hlink>
-        <a:srgbClr val="2200CC"/>
-      </a:hlink>
-      <a:folHlink>
-        <a:srgbClr val="551A8B"/>
-      </a:folHlink>
-    </a:clrScheme>
-    <a:fontScheme name="Office">
-      <a:majorFont>
-        <a:latin typeface="Arial"/>
-        <a:ea typeface=""/>
-        <a:cs typeface=""/>
-        <a:font script="Jpan" typeface="ＭＳ Ｐゴシック"/>
-        <a:font script="Hang" typeface="맑은 고딕"/>
-        <a:font script="Hans" typeface="宋体"/>
-        <a:font script="Hant" typeface="新細明體"/>
-        <a:font script="Arab" typeface="Times New Roman"/>
-        <a:font script="Hebr" typeface="Times New Roman"/>
-        <a:font script="Thai" typeface="Angsana New"/>
-        <a:font script="Ethi" typeface="Nyala"/>
-        <a:font script="Beng" typeface="Vrinda"/>
-        <a:font script="Gujr" typeface="Shruti"/>
-        <a:font script="Khmr" typeface="MoolBoran"/>
-        <a:font script="Knda" typeface="Tunga"/>
-        <a:font script="Guru" typeface="Raavi"/>
-        <a:font script="Cans" typeface="Euphemia"/>
-        <a:font script="Cher" typeface="Plantagenet Cherokee"/>
-        <a:font script="Yiii" typeface="Microsoft Yi Baiti"/>
-        <a:font script="Tibt" typeface="Microsoft Himalaya"/>
-        <a:font script="Thaa" typeface="MV Boli"/>
-        <a:font script="Deva" typeface="Mangal"/>
-        <a:font script="Telu" typeface="Gautami"/>
-        <a:font script="Taml" typeface="Latha"/>
-        <a:font script="Syrc" typeface="Estrangelo Edessa"/>
-        <a:font script="Orya" typeface="Kalinga"/>
-        <a:font script="Mlym" typeface="Kartika"/>
-        <a:font script="Laoo" typeface="DokChampa"/>
-        <a:font script="Sinh" typeface="Iskoola Pota"/>
-        <a:font script="Mong" typeface="Mongolian Baiti"/>
-        <a:font script="Viet" typeface="Times New Roman"/>
-        <a:font script="Uigh" typeface="Microsoft Uighur"/>
-        <a:font script="Geor" typeface="Sylfaen"/>
-      </a:majorFont>
-      <a:minorFont>
-        <a:latin typeface="Arial"/>
-        <a:ea typeface=""/>
-        <a:cs typeface=""/>
-        <a:font script="Jpan" typeface="ＭＳ Ｐゴシック"/>
-        <a:font script="Hang" typeface="맑은 고딕"/>
-        <a:font script="Hans" typeface="宋体"/>
-        <a:font script="Hant" typeface="新細明體"/>
-        <a:font script="Arab" typeface="Arial"/>
-        <a:font script="Hebr" typeface="Arial"/>
-        <a:font script="Thai" typeface="Cordia New"/>
-        <a:font script="Ethi" typeface="Nyala"/>
-        <a:font script="Beng" typeface="Vrinda"/>
-        <a:font script="Gujr" typeface="Shruti"/>
-        <a:font script="Khmr" typeface="DaunPenh"/>
-        <a:font script="Knda" typeface="Tunga"/>
-        <a:font script="Guru" typeface="Raavi"/>
-        <a:font script="Cans" typeface="Euphemia"/>
-        <a:font script="Cher" typeface="Plantagenet Cherokee"/>
-        <a:font script="Yiii" typeface="Microsoft Yi Baiti"/>
-        <a:font script="Tibt" typeface="Microsoft Himalaya"/>
-        <a:font script="Thaa" typeface="MV Boli"/>
-        <a:font script="Deva" typeface="Mangal"/>
-        <a:font script="Telu" typeface="Gautami"/>
-        <a:font script="Taml" typeface="Latha"/>
-        <a:font script="Syrc" typeface="Estrangelo Edessa"/>
-        <a:font script="Orya" typeface="Kalinga"/>
-        <a:font script="Mlym" typeface="Kartika"/>
-        <a:font script="Laoo" typeface="DokChampa"/>
-        <a:font script="Sinh" typeface="Iskoola Pota"/>
-        <a:font script="Mong" typeface="Mongolian Baiti"/>
-        <a:font script="Viet" typeface="Arial"/>
-        <a:font script="Uigh" typeface="Microsoft Uighur"/>
-        <a:font script="Geor" typeface="Sylfaen"/>
-      </a:minorFont>
-    </a:fontScheme>
-    <a:fmtScheme name="Office">
-      <a:fillStyleLst>
-        <a:solidFill>
-          <a:schemeClr val="phClr"/>
-        </a:solidFill>
-        <a:gradFill rotWithShape="1">
-          <a:gsLst>
-            <a:gs pos="0">
-              <a:schemeClr val="phClr">
-                <a:tint val="50000"/>
-                <a:satMod val="300000"/>
-              </a:schemeClr>
-            </a:gs>
-            <a:gs pos="35000">
-              <a:schemeClr val="phClr">
-                <a:tint val="37000"/>
-                <a:satMod val="300000"/>
-              </a:schemeClr>
-            </a:gs>
-            <a:gs pos="100000">
-              <a:schemeClr val="phClr">
-                <a:tint val="15000"/>
-                <a:satMod val="350000"/>
-              </a:schemeClr>
-            </a:gs>
-          </a:gsLst>
-          <a:lin ang="16200000" scaled="1"/>
-        </a:gradFill>
-        <a:gradFill rotWithShape="1">
-          <a:gsLst>
-            <a:gs pos="0">
-              <a:schemeClr val="phClr">
-                <a:tint val="100000"/>
-                <a:shade val="100000"/>
-                <a:satMod val="130000"/>
-              </a:schemeClr>
-            </a:gs>
-            <a:gs pos="100000">
-              <a:schemeClr val="phClr">
-                <a:tint val="50000"/>
-                <a:shade val="100000"/>
-                <a:satMod val="350000"/>
-              </a:schemeClr>
-            </a:gs>
-          </a:gsLst>
-          <a:lin ang="16200000" scaled="0"/>
-        </a:gradFill>
-      </a:fillStyleLst>
-      <a:lnStyleLst>
-        <a:ln w="9525" cap="flat" cmpd="sng" algn="ctr">
-          <a:solidFill>
-            <a:schemeClr val="phClr">
-              <a:shade val="95000"/>
-              <a:satMod val="105000"/>
-            </a:schemeClr>
-          </a:solidFill>
-          <a:prstDash val="solid"/>
-        </a:ln>
-        <a:ln w="25400" cap="flat" cmpd="sng" algn="ctr">
-          <a:solidFill>
-            <a:schemeClr val="phClr"/>
-          </a:solidFill>
-          <a:prstDash val="solid"/>
-        </a:ln>
-        <a:ln w="38100" cap="flat" cmpd="sng" algn="ctr">
-          <a:solidFill>
-            <a:schemeClr val="phClr"/>
-          </a:solidFill>
-          <a:prstDash val="solid"/>
-        </a:ln>
-      </a:lnStyleLst>
-      <a:effectStyleLst>
-        <a:effectStyle>
-          <a:effectLst>
-            <a:outerShdw blurRad="40000" dist="20000" dir="5400000" rotWithShape="0">
-              <a:srgbClr val="000000">
-                <a:alpha val="38000"/>
-              </a:srgbClr>
-            </a:outerShdw>
-          </a:effectLst>
-        </a:effectStyle>
-        <a:effectStyle>
-          <a:effectLst>
-            <a:outerShdw blurRad="40000" dist="23000" dir="5400000" rotWithShape="0">
-              <a:srgbClr val="000000">
-                <a:alpha val="35000"/>
-              </a:srgbClr>
-            </a:outerShdw>
-          </a:effectLst>
-        </a:effectStyle>
-        <a:effectStyle>
-          <a:effectLst>
-            <a:outerShdw blurRad="40000" dist="23000" dir="5400000" rotWithShape="0">
-              <a:srgbClr val="000000">
-                <a:alpha val="35000"/>
-              </a:srgbClr>
-            </a:outerShdw>
-          </a:effectLst>
-          <a:scene3d>
-            <a:camera prst="orthographicFront">
-              <a:rot lat="0" lon="0" rev="0"/>
-            </a:camera>
-            <a:lightRig rig="threePt" dir="t">
-              <a:rot lat="0" lon="0" rev="1200000"/>
-            </a:lightRig>
-          </a:scene3d>
-          <a:sp3d>
-            <a:bevelT w="63500" h="25400"/>
-          </a:sp3d>
-        </a:effectStyle>
-      </a:effectStyleLst>
-      <a:bgFillStyleLst>
-        <a:solidFill>
-          <a:schemeClr val="phClr"/>
-        </a:solidFill>
-        <a:gradFill rotWithShape="1">
-          <a:gsLst>
-            <a:gs pos="0">
-              <a:schemeClr val="phClr">
-                <a:tint val="40000"/>
-                <a:satMod val="350000"/>
-              </a:schemeClr>
-            </a:gs>
-            <a:gs pos="40000">
-              <a:schemeClr val="phClr">
-                <a:tint val="45000"/>
-                <a:shade val="99000"/>
-                <a:satMod val="350000"/>
-              </a:schemeClr>
-            </a:gs>
-            <a:gs pos="100000">
-              <a:schemeClr val="phClr">
-                <a:shade val="20000"/>
-                <a:satMod val="255000"/>
-              </a:schemeClr>
-            </a:gs>
-          </a:gsLst>
-          <a:path path="circle">
-            <a:fillToRect l="50000" t="-80000" r="50000" b="180000"/>
-          </a:path>
-        </a:gradFill>
-        <a:gradFill rotWithShape="1">
-          <a:gsLst>
-            <a:gs pos="0">
-              <a:schemeClr val="phClr">
-                <a:tint val="80000"/>
-                <a:satMod val="300000"/>
-              </a:schemeClr>
-            </a:gs>
-            <a:gs pos="100000">
-              <a:schemeClr val="phClr">
-                <a:shade val="30000"/>
-                <a:satMod val="200000"/>
-              </a:schemeClr>
-            </a:gs>
-          </a:gsLst>
-          <a:path path="circle">
-            <a:fillToRect l="50000" t="50000" r="50000" b="50000"/>
-          </a:path>
-        </a:gradFill>
-      </a:bgFillStyleLst>
-    </a:fmtScheme>
-  </a:themeElements>
-</a:theme>
 </file>
--- a/Thạch Trương Gia - CS2205.NOV2024.DeCuong.FinalReport.Slide.pptx
+++ b/Thạch Trương Gia - CS2205.NOV2024.DeCuong.FinalReport.Slide.pptx
@@ -7960,7 +7960,7 @@
             </a:pPr>
             <a:r>
               <a:rPr lang="en"/>
-              <a:t>Lớp: CS2205.CH123</a:t>
+              <a:t>Lớp: CS2205.CH183</a:t>
             </a:r>
             <a:endParaRPr/>
           </a:p>
